--- a/MAT2034_MAT2404_GTS_HK1_Python/GTS_Chương_4_Interpolation.pptx
+++ b/MAT2034_MAT2404_GTS_HK1_Python/GTS_Chương_4_Interpolation.pptx
@@ -366,7 +366,7 @@
             <a:fld id="{B61BEF0D-F0BB-DE4B-95CE-6DB70DBA9567}" type="datetimeFigureOut">
               <a:rPr lang="en-US" dirty="0"/>
               <a:pPr/>
-              <a:t>11/9/2021</a:t>
+              <a:t>10/14/2022</a:t>
             </a:fld>
             <a:endParaRPr lang="en-US" dirty="0"/>
           </a:p>
@@ -799,7 +799,7 @@
             <a:fld id="{B61BEF0D-F0BB-DE4B-95CE-6DB70DBA9567}" type="datetimeFigureOut">
               <a:rPr lang="en-US" dirty="0"/>
               <a:pPr/>
-              <a:t>11/9/2021</a:t>
+              <a:t>10/14/2022</a:t>
             </a:fld>
             <a:endParaRPr lang="en-US" dirty="0"/>
           </a:p>
@@ -1046,7 +1046,7 @@
             <a:fld id="{B61BEF0D-F0BB-DE4B-95CE-6DB70DBA9567}" type="datetimeFigureOut">
               <a:rPr lang="en-US" dirty="0"/>
               <a:pPr/>
-              <a:t>11/9/2021</a:t>
+              <a:t>10/14/2022</a:t>
             </a:fld>
             <a:endParaRPr lang="en-US" dirty="0"/>
           </a:p>
@@ -1351,7 +1351,7 @@
             <a:fld id="{B61BEF0D-F0BB-DE4B-95CE-6DB70DBA9567}" type="datetimeFigureOut">
               <a:rPr lang="en-US" dirty="0"/>
               <a:pPr/>
-              <a:t>11/9/2021</a:t>
+              <a:t>10/14/2022</a:t>
             </a:fld>
             <a:endParaRPr lang="en-US" dirty="0"/>
           </a:p>
@@ -1666,7 +1666,7 @@
             <a:fld id="{B61BEF0D-F0BB-DE4B-95CE-6DB70DBA9567}" type="datetimeFigureOut">
               <a:rPr lang="en-US" dirty="0"/>
               <a:pPr/>
-              <a:t>11/9/2021</a:t>
+              <a:t>10/14/2022</a:t>
             </a:fld>
             <a:endParaRPr lang="en-US" dirty="0"/>
           </a:p>
@@ -1965,7 +1965,7 @@
             <a:fld id="{B61BEF0D-F0BB-DE4B-95CE-6DB70DBA9567}" type="datetimeFigureOut">
               <a:rPr lang="en-US" dirty="0"/>
               <a:pPr/>
-              <a:t>11/9/2021</a:t>
+              <a:t>10/14/2022</a:t>
             </a:fld>
             <a:endParaRPr lang="en-US" dirty="0"/>
           </a:p>
@@ -2329,7 +2329,7 @@
             <a:fld id="{B61BEF0D-F0BB-DE4B-95CE-6DB70DBA9567}" type="datetimeFigureOut">
               <a:rPr lang="en-US" dirty="0"/>
               <a:pPr/>
-              <a:t>11/9/2021</a:t>
+              <a:t>10/14/2022</a:t>
             </a:fld>
             <a:endParaRPr lang="en-US" dirty="0"/>
           </a:p>
@@ -2500,7 +2500,7 @@
             <a:fld id="{B61BEF0D-F0BB-DE4B-95CE-6DB70DBA9567}" type="datetimeFigureOut">
               <a:rPr lang="en-US" dirty="0"/>
               <a:pPr/>
-              <a:t>11/9/2021</a:t>
+              <a:t>10/14/2022</a:t>
             </a:fld>
             <a:endParaRPr lang="en-US" dirty="0"/>
           </a:p>
@@ -2677,7 +2677,7 @@
             <a:fld id="{B61BEF0D-F0BB-DE4B-95CE-6DB70DBA9567}" type="datetimeFigureOut">
               <a:rPr lang="en-US" dirty="0"/>
               <a:pPr/>
-              <a:t>11/9/2021</a:t>
+              <a:t>10/14/2022</a:t>
             </a:fld>
             <a:endParaRPr lang="en-US" dirty="0"/>
           </a:p>
@@ -2844,7 +2844,7 @@
             <a:fld id="{B61BEF0D-F0BB-DE4B-95CE-6DB70DBA9567}" type="datetimeFigureOut">
               <a:rPr lang="en-US" dirty="0"/>
               <a:pPr/>
-              <a:t>11/9/2021</a:t>
+              <a:t>10/14/2022</a:t>
             </a:fld>
             <a:endParaRPr lang="en-US" dirty="0"/>
           </a:p>
@@ -3091,7 +3091,7 @@
             <a:fld id="{B61BEF0D-F0BB-DE4B-95CE-6DB70DBA9567}" type="datetimeFigureOut">
               <a:rPr lang="en-US" dirty="0"/>
               <a:pPr/>
-              <a:t>11/9/2021</a:t>
+              <a:t>10/14/2022</a:t>
             </a:fld>
             <a:endParaRPr lang="en-US" dirty="0"/>
           </a:p>
@@ -3324,7 +3324,7 @@
             <a:fld id="{B61BEF0D-F0BB-DE4B-95CE-6DB70DBA9567}" type="datetimeFigureOut">
               <a:rPr lang="en-US" dirty="0"/>
               <a:pPr/>
-              <a:t>11/9/2021</a:t>
+              <a:t>10/14/2022</a:t>
             </a:fld>
             <a:endParaRPr lang="en-US" dirty="0"/>
           </a:p>
@@ -3703,7 +3703,7 @@
             <a:fld id="{B61BEF0D-F0BB-DE4B-95CE-6DB70DBA9567}" type="datetimeFigureOut">
               <a:rPr lang="en-US" dirty="0"/>
               <a:pPr/>
-              <a:t>11/9/2021</a:t>
+              <a:t>10/14/2022</a:t>
             </a:fld>
             <a:endParaRPr lang="en-US" dirty="0"/>
           </a:p>
@@ -3818,7 +3818,7 @@
             <a:fld id="{B61BEF0D-F0BB-DE4B-95CE-6DB70DBA9567}" type="datetimeFigureOut">
               <a:rPr lang="en-US" dirty="0"/>
               <a:pPr/>
-              <a:t>11/9/2021</a:t>
+              <a:t>10/14/2022</a:t>
             </a:fld>
             <a:endParaRPr lang="en-US" dirty="0"/>
           </a:p>
@@ -3910,7 +3910,7 @@
             <a:fld id="{B61BEF0D-F0BB-DE4B-95CE-6DB70DBA9567}" type="datetimeFigureOut">
               <a:rPr lang="en-US" dirty="0"/>
               <a:pPr/>
-              <a:t>11/9/2021</a:t>
+              <a:t>10/14/2022</a:t>
             </a:fld>
             <a:endParaRPr lang="en-US" dirty="0"/>
           </a:p>
@@ -4162,7 +4162,7 @@
             <a:fld id="{B61BEF0D-F0BB-DE4B-95CE-6DB70DBA9567}" type="datetimeFigureOut">
               <a:rPr lang="en-US" dirty="0"/>
               <a:pPr/>
-              <a:t>11/9/2021</a:t>
+              <a:t>10/14/2022</a:t>
             </a:fld>
             <a:endParaRPr lang="en-US" dirty="0"/>
           </a:p>
@@ -4442,7 +4442,7 @@
             <a:fld id="{B61BEF0D-F0BB-DE4B-95CE-6DB70DBA9567}" type="datetimeFigureOut">
               <a:rPr lang="en-US" dirty="0"/>
               <a:pPr/>
-              <a:t>11/9/2021</a:t>
+              <a:t>10/14/2022</a:t>
             </a:fld>
             <a:endParaRPr lang="en-US" dirty="0"/>
           </a:p>
@@ -4864,7 +4864,7 @@
             <a:fld id="{B61BEF0D-F0BB-DE4B-95CE-6DB70DBA9567}" type="datetimeFigureOut">
               <a:rPr lang="en-US" dirty="0"/>
               <a:pPr/>
-              <a:t>11/9/2021</a:t>
+              <a:t>10/14/2022</a:t>
             </a:fld>
             <a:endParaRPr lang="en-US" dirty="0"/>
           </a:p>
@@ -13428,36 +13428,6 @@
           <a:chExt cx="0" cy="0"/>
         </a:xfrm>
       </p:grpSpPr>
-      <p:sp>
-        <p:nvSpPr>
-          <p:cNvPr id="3" name="Content Placeholder 2">
-            <a:extLst>
-              <a:ext uri="{FF2B5EF4-FFF2-40B4-BE49-F238E27FC236}">
-                <a16:creationId xmlns:a16="http://schemas.microsoft.com/office/drawing/2014/main" id="{AD15B31A-A64D-4D1A-8249-BFEE41333ED8}"/>
-              </a:ext>
-            </a:extLst>
-          </p:cNvPr>
-          <p:cNvSpPr>
-            <a:spLocks noGrp="1"/>
-          </p:cNvSpPr>
-          <p:nvPr>
-            <p:ph idx="1"/>
-          </p:nvPr>
-        </p:nvSpPr>
-        <p:spPr>
-          <a:xfrm>
-            <a:off x="6968971" y="676922"/>
-            <a:ext cx="5051394" cy="3615267"/>
-          </a:xfrm>
-        </p:spPr>
-        <p:txBody>
-          <a:bodyPr/>
-          <a:lstStyle/>
-          <a:p>
-            <a:endParaRPr lang="en-US" dirty="0"/>
-          </a:p>
-        </p:txBody>
-      </p:sp>
       <p:pic>
         <p:nvPicPr>
           <p:cNvPr id="5" name="Picture 4">
